--- a/Presentation1.pptx
+++ b/Presentation1.pptx
@@ -16,7 +16,6 @@
     <p:sldId id="272" r:id="rId10"/>
     <p:sldId id="262" r:id="rId11"/>
     <p:sldId id="263" r:id="rId12"/>
-    <p:sldId id="267" r:id="rId13"/>
   </p:sldIdLst>
   <p:sldSz cx="9144000" cy="6858000" type="screen4x3"/>
   <p:notesSz cx="6858000" cy="9144000"/>
@@ -502,7 +501,7 @@
           </a:lstStyle>
           <a:p>
             <a:r>
-              <a:rPr lang="en-US" smtClean="0"/>
+              <a:rPr lang="en-US"/>
               <a:t>Click to edit Master title style</a:t>
             </a:r>
             <a:endParaRPr lang="en-US" dirty="0"/>
@@ -621,7 +620,7 @@
           </a:lstStyle>
           <a:p>
             <a:r>
-              <a:rPr lang="en-US" smtClean="0"/>
+              <a:rPr lang="en-US"/>
               <a:t>Click to edit Master subtitle style</a:t>
             </a:r>
             <a:endParaRPr lang="en-US" dirty="0"/>
@@ -650,7 +649,7 @@
           <a:p>
             <a:fld id="{E8254811-5CEA-4A43-BF05-68A9FDA3A610}" type="datetimeFigureOut">
               <a:rPr lang="en-US" smtClean="0"/>
-              <a:t>4/26/18</a:t>
+              <a:t>4/26/2018</a:t>
             </a:fld>
             <a:endParaRPr lang="en-US"/>
           </a:p>
@@ -751,7 +750,7 @@
           </a:ln>
           <a:extLst>
             <a:ext uri="{91240B29-F687-4f45-9708-019B960494DF}">
-              <a14:hiddenLine xmlns:a14="http://schemas.microsoft.com/office/drawing/2010/main" xmlns="" w="9525">
+              <a14:hiddenLine xmlns="" xmlns:a14="http://schemas.microsoft.com/office/drawing/2010/main" w="9525">
                 <a:solidFill>
                   <a:srgbClr val="000000"/>
                 </a:solidFill>
@@ -806,7 +805,7 @@
           </a:ln>
           <a:extLst>
             <a:ext uri="{91240B29-F687-4f45-9708-019B960494DF}">
-              <a14:hiddenLine xmlns:a14="http://schemas.microsoft.com/office/drawing/2010/main" xmlns="" w="9525">
+              <a14:hiddenLine xmlns="" xmlns:a14="http://schemas.microsoft.com/office/drawing/2010/main" w="9525">
                 <a:solidFill>
                   <a:srgbClr val="000000"/>
                 </a:solidFill>
@@ -870,7 +869,7 @@
           </a:lstStyle>
           <a:p>
             <a:r>
-              <a:rPr lang="en-US" smtClean="0"/>
+              <a:rPr lang="en-US"/>
               <a:t>Click to edit Master title style</a:t>
             </a:r>
             <a:endParaRPr lang="en-US" dirty="0"/>
@@ -965,7 +964,7 @@
           </a:lstStyle>
           <a:p>
             <a:r>
-              <a:rPr lang="en-US" smtClean="0"/>
+              <a:rPr lang="en-US"/>
               <a:t>Drag picture to placeholder or click icon to add</a:t>
             </a:r>
             <a:endParaRPr lang="en-US" dirty="0"/>
@@ -1033,7 +1032,7 @@
           <a:p>
             <a:pPr lvl="0"/>
             <a:r>
-              <a:rPr lang="en-US" smtClean="0"/>
+              <a:rPr lang="en-US"/>
               <a:t>Click to edit Master text styles</a:t>
             </a:r>
           </a:p>
@@ -1056,7 +1055,7 @@
           <a:p>
             <a:fld id="{E8254811-5CEA-4A43-BF05-68A9FDA3A610}" type="datetimeFigureOut">
               <a:rPr lang="en-US" smtClean="0"/>
-              <a:t>4/26/18</a:t>
+              <a:t>4/26/2018</a:t>
             </a:fld>
             <a:endParaRPr lang="en-US"/>
           </a:p>
@@ -1156,7 +1155,7 @@
           </a:lstStyle>
           <a:p>
             <a:r>
-              <a:rPr lang="en-US" smtClean="0"/>
+              <a:rPr lang="en-US"/>
               <a:t>Click to edit Master title style</a:t>
             </a:r>
             <a:endParaRPr lang="en-US" dirty="0"/>
@@ -1276,7 +1275,7 @@
           <a:p>
             <a:pPr lvl="0"/>
             <a:r>
-              <a:rPr lang="en-US" smtClean="0"/>
+              <a:rPr lang="en-US"/>
               <a:t>Click to edit Master text styles</a:t>
             </a:r>
           </a:p>
@@ -1299,7 +1298,7 @@
           <a:p>
             <a:fld id="{E8254811-5CEA-4A43-BF05-68A9FDA3A610}" type="datetimeFigureOut">
               <a:rPr lang="en-US" smtClean="0"/>
-              <a:t>4/26/18</a:t>
+              <a:t>4/26/2018</a:t>
             </a:fld>
             <a:endParaRPr lang="en-US"/>
           </a:p>
@@ -1635,7 +1634,7 @@
           </a:lstStyle>
           <a:p>
             <a:r>
-              <a:rPr lang="en-US" smtClean="0"/>
+              <a:rPr lang="en-US"/>
               <a:t>Click to edit Master title style</a:t>
             </a:r>
             <a:endParaRPr lang="en-US" dirty="0"/>
@@ -1692,7 +1691,7 @@
           <a:p>
             <a:pPr lvl="0"/>
             <a:r>
-              <a:rPr lang="en-US" smtClean="0"/>
+              <a:rPr lang="en-US"/>
               <a:t>Click to edit Master text styles</a:t>
             </a:r>
           </a:p>
@@ -1811,7 +1810,7 @@
           <a:p>
             <a:pPr lvl="0"/>
             <a:r>
-              <a:rPr lang="en-US" smtClean="0"/>
+              <a:rPr lang="en-US"/>
               <a:t>Click to edit Master text styles</a:t>
             </a:r>
           </a:p>
@@ -1834,7 +1833,7 @@
           <a:p>
             <a:fld id="{E8254811-5CEA-4A43-BF05-68A9FDA3A610}" type="datetimeFigureOut">
               <a:rPr lang="en-US" smtClean="0"/>
-              <a:t>4/26/18</a:t>
+              <a:t>4/26/2018</a:t>
             </a:fld>
             <a:endParaRPr lang="en-US"/>
           </a:p>
@@ -1934,7 +1933,7 @@
           </a:lstStyle>
           <a:p>
             <a:r>
-              <a:rPr lang="en-US" smtClean="0"/>
+              <a:rPr lang="en-US"/>
               <a:t>Click to edit Master title style</a:t>
             </a:r>
             <a:endParaRPr lang="en-US" dirty="0"/>
@@ -2054,7 +2053,7 @@
           <a:p>
             <a:pPr lvl="0"/>
             <a:r>
-              <a:rPr lang="en-US" smtClean="0"/>
+              <a:rPr lang="en-US"/>
               <a:t>Click to edit Master text styles</a:t>
             </a:r>
           </a:p>
@@ -2077,7 +2076,7 @@
           <a:p>
             <a:fld id="{E8254811-5CEA-4A43-BF05-68A9FDA3A610}" type="datetimeFigureOut">
               <a:rPr lang="en-US" smtClean="0"/>
-              <a:t>4/26/18</a:t>
+              <a:t>4/26/2018</a:t>
             </a:fld>
             <a:endParaRPr lang="en-US"/>
           </a:p>
@@ -2413,7 +2412,7 @@
           </a:lstStyle>
           <a:p>
             <a:r>
-              <a:rPr lang="en-US" smtClean="0"/>
+              <a:rPr lang="en-US"/>
               <a:t>Click to edit Master title style</a:t>
             </a:r>
             <a:endParaRPr lang="en-US" dirty="0"/>
@@ -2462,7 +2461,7 @@
               <a:buNone/>
             </a:pPr>
             <a:r>
-              <a:rPr lang="en-US" smtClean="0"/>
+              <a:rPr lang="en-US"/>
               <a:t>Click to edit Master text styles</a:t>
             </a:r>
           </a:p>
@@ -2581,7 +2580,7 @@
           <a:p>
             <a:pPr lvl="0"/>
             <a:r>
-              <a:rPr lang="en-US" smtClean="0"/>
+              <a:rPr lang="en-US"/>
               <a:t>Click to edit Master text styles</a:t>
             </a:r>
           </a:p>
@@ -2604,7 +2603,7 @@
           <a:p>
             <a:fld id="{E8254811-5CEA-4A43-BF05-68A9FDA3A610}" type="datetimeFigureOut">
               <a:rPr lang="en-US" smtClean="0"/>
-              <a:t>4/26/18</a:t>
+              <a:t>4/26/2018</a:t>
             </a:fld>
             <a:endParaRPr lang="en-US"/>
           </a:p>
@@ -2705,7 +2704,7 @@
           <a:p>
             <a:pPr marL="0" lvl="0"/>
             <a:r>
-              <a:rPr lang="en-US" smtClean="0"/>
+              <a:rPr lang="en-US"/>
               <a:t>Click to edit Master title style</a:t>
             </a:r>
             <a:endParaRPr lang="en-US" dirty="0"/>
@@ -2754,7 +2753,7 @@
               <a:buNone/>
             </a:pPr>
             <a:r>
-              <a:rPr lang="en-US" smtClean="0"/>
+              <a:rPr lang="en-US"/>
               <a:t>Click to edit Master text styles</a:t>
             </a:r>
           </a:p>
@@ -2873,7 +2872,7 @@
           <a:p>
             <a:pPr lvl="0"/>
             <a:r>
-              <a:rPr lang="en-US" smtClean="0"/>
+              <a:rPr lang="en-US"/>
               <a:t>Click to edit Master text styles</a:t>
             </a:r>
           </a:p>
@@ -2896,7 +2895,7 @@
           <a:p>
             <a:fld id="{E8254811-5CEA-4A43-BF05-68A9FDA3A610}" type="datetimeFigureOut">
               <a:rPr lang="en-US" smtClean="0"/>
-              <a:t>4/26/18</a:t>
+              <a:t>4/26/2018</a:t>
             </a:fld>
             <a:endParaRPr lang="en-US"/>
           </a:p>
@@ -2989,7 +2988,7 @@
           </a:lstStyle>
           <a:p>
             <a:r>
-              <a:rPr lang="en-US" smtClean="0"/>
+              <a:rPr lang="en-US"/>
               <a:t>Click to edit Master title style</a:t>
             </a:r>
             <a:endParaRPr lang="en-US" dirty="0"/>
@@ -3013,35 +3012,35 @@
           <a:p>
             <a:pPr lvl="0"/>
             <a:r>
-              <a:rPr lang="en-US" smtClean="0"/>
+              <a:rPr lang="en-US"/>
               <a:t>Click to edit Master text styles</a:t>
             </a:r>
           </a:p>
           <a:p>
             <a:pPr lvl="1"/>
             <a:r>
-              <a:rPr lang="en-US" smtClean="0"/>
+              <a:rPr lang="en-US"/>
               <a:t>Second level</a:t>
             </a:r>
           </a:p>
           <a:p>
             <a:pPr lvl="2"/>
             <a:r>
-              <a:rPr lang="en-US" smtClean="0"/>
+              <a:rPr lang="en-US"/>
               <a:t>Third level</a:t>
             </a:r>
           </a:p>
           <a:p>
             <a:pPr lvl="3"/>
             <a:r>
-              <a:rPr lang="en-US" smtClean="0"/>
+              <a:rPr lang="en-US"/>
               <a:t>Fourth level</a:t>
             </a:r>
           </a:p>
           <a:p>
             <a:pPr lvl="4"/>
             <a:r>
-              <a:rPr lang="en-US" smtClean="0"/>
+              <a:rPr lang="en-US"/>
               <a:t>Fifth level</a:t>
             </a:r>
             <a:endParaRPr lang="en-US" dirty="0"/>
@@ -3065,7 +3064,7 @@
           <a:p>
             <a:fld id="{E8254811-5CEA-4A43-BF05-68A9FDA3A610}" type="datetimeFigureOut">
               <a:rPr lang="en-US" smtClean="0"/>
-              <a:t>4/26/18</a:t>
+              <a:t>4/26/2018</a:t>
             </a:fld>
             <a:endParaRPr lang="en-US"/>
           </a:p>
@@ -3159,7 +3158,7 @@
           <a:lstStyle/>
           <a:p>
             <a:r>
-              <a:rPr lang="en-US" smtClean="0"/>
+              <a:rPr lang="en-US"/>
               <a:t>Click to edit Master title style</a:t>
             </a:r>
             <a:endParaRPr lang="en-US" dirty="0"/>
@@ -3188,35 +3187,35 @@
           <a:p>
             <a:pPr lvl="0"/>
             <a:r>
-              <a:rPr lang="en-US" smtClean="0"/>
+              <a:rPr lang="en-US"/>
               <a:t>Click to edit Master text styles</a:t>
             </a:r>
           </a:p>
           <a:p>
             <a:pPr lvl="1"/>
             <a:r>
-              <a:rPr lang="en-US" smtClean="0"/>
+              <a:rPr lang="en-US"/>
               <a:t>Second level</a:t>
             </a:r>
           </a:p>
           <a:p>
             <a:pPr lvl="2"/>
             <a:r>
-              <a:rPr lang="en-US" smtClean="0"/>
+              <a:rPr lang="en-US"/>
               <a:t>Third level</a:t>
             </a:r>
           </a:p>
           <a:p>
             <a:pPr lvl="3"/>
             <a:r>
-              <a:rPr lang="en-US" smtClean="0"/>
+              <a:rPr lang="en-US"/>
               <a:t>Fourth level</a:t>
             </a:r>
           </a:p>
           <a:p>
             <a:pPr lvl="4"/>
             <a:r>
-              <a:rPr lang="en-US" smtClean="0"/>
+              <a:rPr lang="en-US"/>
               <a:t>Fifth level</a:t>
             </a:r>
             <a:endParaRPr lang="en-US" dirty="0"/>
@@ -3240,7 +3239,7 @@
           <a:p>
             <a:fld id="{E8254811-5CEA-4A43-BF05-68A9FDA3A610}" type="datetimeFigureOut">
               <a:rPr lang="en-US" smtClean="0"/>
-              <a:t>4/26/18</a:t>
+              <a:t>4/26/2018</a:t>
             </a:fld>
             <a:endParaRPr lang="en-US"/>
           </a:p>
@@ -3334,7 +3333,7 @@
           <a:lstStyle/>
           <a:p>
             <a:r>
-              <a:rPr lang="en-US" smtClean="0"/>
+              <a:rPr lang="en-US"/>
               <a:t>Click to edit Master title style</a:t>
             </a:r>
             <a:endParaRPr lang="en-US" dirty="0"/>
@@ -3363,35 +3362,35 @@
           <a:p>
             <a:pPr lvl="0"/>
             <a:r>
-              <a:rPr lang="en-US" smtClean="0"/>
+              <a:rPr lang="en-US"/>
               <a:t>Click to edit Master text styles</a:t>
             </a:r>
           </a:p>
           <a:p>
             <a:pPr lvl="1"/>
             <a:r>
-              <a:rPr lang="en-US" smtClean="0"/>
+              <a:rPr lang="en-US"/>
               <a:t>Second level</a:t>
             </a:r>
           </a:p>
           <a:p>
             <a:pPr lvl="2"/>
             <a:r>
-              <a:rPr lang="en-US" smtClean="0"/>
+              <a:rPr lang="en-US"/>
               <a:t>Third level</a:t>
             </a:r>
           </a:p>
           <a:p>
             <a:pPr lvl="3"/>
             <a:r>
-              <a:rPr lang="en-US" smtClean="0"/>
+              <a:rPr lang="en-US"/>
               <a:t>Fourth level</a:t>
             </a:r>
           </a:p>
           <a:p>
             <a:pPr lvl="4"/>
             <a:r>
-              <a:rPr lang="en-US" smtClean="0"/>
+              <a:rPr lang="en-US"/>
               <a:t>Fifth level</a:t>
             </a:r>
             <a:endParaRPr lang="en-US" dirty="0"/>
@@ -3420,7 +3419,7 @@
           <a:p>
             <a:fld id="{E8254811-5CEA-4A43-BF05-68A9FDA3A610}" type="datetimeFigureOut">
               <a:rPr lang="en-US" smtClean="0"/>
-              <a:t>4/26/18</a:t>
+              <a:t>4/26/2018</a:t>
             </a:fld>
             <a:endParaRPr lang="en-US"/>
           </a:p>
@@ -3528,7 +3527,7 @@
           </a:lstStyle>
           <a:p>
             <a:r>
-              <a:rPr lang="en-US" smtClean="0"/>
+              <a:rPr lang="en-US"/>
               <a:t>Click to edit Master title style</a:t>
             </a:r>
             <a:endParaRPr lang="en-US" dirty="0"/>
@@ -3648,7 +3647,7 @@
           <a:p>
             <a:pPr lvl="0"/>
             <a:r>
-              <a:rPr lang="en-US" smtClean="0"/>
+              <a:rPr lang="en-US"/>
               <a:t>Click to edit Master text styles</a:t>
             </a:r>
           </a:p>
@@ -3671,7 +3670,7 @@
           <a:p>
             <a:fld id="{E8254811-5CEA-4A43-BF05-68A9FDA3A610}" type="datetimeFigureOut">
               <a:rPr lang="en-US" smtClean="0"/>
-              <a:t>4/26/18</a:t>
+              <a:t>4/26/2018</a:t>
             </a:fld>
             <a:endParaRPr lang="en-US"/>
           </a:p>
@@ -3770,7 +3769,7 @@
           <a:lstStyle/>
           <a:p>
             <a:r>
-              <a:rPr lang="en-US" smtClean="0"/>
+              <a:rPr lang="en-US"/>
               <a:t>Click to edit Master title style</a:t>
             </a:r>
             <a:endParaRPr lang="en-US" dirty="0"/>
@@ -3829,35 +3828,35 @@
           <a:p>
             <a:pPr lvl="0"/>
             <a:r>
-              <a:rPr lang="en-US" smtClean="0"/>
+              <a:rPr lang="en-US"/>
               <a:t>Click to edit Master text styles</a:t>
             </a:r>
           </a:p>
           <a:p>
             <a:pPr lvl="1"/>
             <a:r>
-              <a:rPr lang="en-US" smtClean="0"/>
+              <a:rPr lang="en-US"/>
               <a:t>Second level</a:t>
             </a:r>
           </a:p>
           <a:p>
             <a:pPr lvl="2"/>
             <a:r>
-              <a:rPr lang="en-US" smtClean="0"/>
+              <a:rPr lang="en-US"/>
               <a:t>Third level</a:t>
             </a:r>
           </a:p>
           <a:p>
             <a:pPr lvl="3"/>
             <a:r>
-              <a:rPr lang="en-US" smtClean="0"/>
+              <a:rPr lang="en-US"/>
               <a:t>Fourth level</a:t>
             </a:r>
           </a:p>
           <a:p>
             <a:pPr lvl="4"/>
             <a:r>
-              <a:rPr lang="en-US" smtClean="0"/>
+              <a:rPr lang="en-US"/>
               <a:t>Fifth level</a:t>
             </a:r>
             <a:endParaRPr lang="en-US" dirty="0"/>
@@ -3916,35 +3915,35 @@
           <a:p>
             <a:pPr lvl="0"/>
             <a:r>
-              <a:rPr lang="en-US" smtClean="0"/>
+              <a:rPr lang="en-US"/>
               <a:t>Click to edit Master text styles</a:t>
             </a:r>
           </a:p>
           <a:p>
             <a:pPr lvl="1"/>
             <a:r>
-              <a:rPr lang="en-US" smtClean="0"/>
+              <a:rPr lang="en-US"/>
               <a:t>Second level</a:t>
             </a:r>
           </a:p>
           <a:p>
             <a:pPr lvl="2"/>
             <a:r>
-              <a:rPr lang="en-US" smtClean="0"/>
+              <a:rPr lang="en-US"/>
               <a:t>Third level</a:t>
             </a:r>
           </a:p>
           <a:p>
             <a:pPr lvl="3"/>
             <a:r>
-              <a:rPr lang="en-US" smtClean="0"/>
+              <a:rPr lang="en-US"/>
               <a:t>Fourth level</a:t>
             </a:r>
           </a:p>
           <a:p>
             <a:pPr lvl="4"/>
             <a:r>
-              <a:rPr lang="en-US" smtClean="0"/>
+              <a:rPr lang="en-US"/>
               <a:t>Fifth level</a:t>
             </a:r>
             <a:endParaRPr lang="en-US" dirty="0"/>
@@ -3968,7 +3967,7 @@
           <a:p>
             <a:fld id="{E8254811-5CEA-4A43-BF05-68A9FDA3A610}" type="datetimeFigureOut">
               <a:rPr lang="en-US" smtClean="0"/>
-              <a:t>4/26/18</a:t>
+              <a:t>4/26/2018</a:t>
             </a:fld>
             <a:endParaRPr lang="en-US"/>
           </a:p>
@@ -4061,7 +4060,7 @@
           </a:lstStyle>
           <a:p>
             <a:r>
-              <a:rPr lang="en-US" smtClean="0"/>
+              <a:rPr lang="en-US"/>
               <a:t>Click to edit Master title style</a:t>
             </a:r>
             <a:endParaRPr lang="en-US" dirty="0"/>
@@ -4135,7 +4134,7 @@
           <a:p>
             <a:pPr lvl="0"/>
             <a:r>
-              <a:rPr lang="en-US" smtClean="0"/>
+              <a:rPr lang="en-US"/>
               <a:t>Click to edit Master text styles</a:t>
             </a:r>
           </a:p>
@@ -4193,35 +4192,35 @@
           <a:p>
             <a:pPr lvl="0"/>
             <a:r>
-              <a:rPr lang="en-US" smtClean="0"/>
+              <a:rPr lang="en-US"/>
               <a:t>Click to edit Master text styles</a:t>
             </a:r>
           </a:p>
           <a:p>
             <a:pPr lvl="1"/>
             <a:r>
-              <a:rPr lang="en-US" smtClean="0"/>
+              <a:rPr lang="en-US"/>
               <a:t>Second level</a:t>
             </a:r>
           </a:p>
           <a:p>
             <a:pPr lvl="2"/>
             <a:r>
-              <a:rPr lang="en-US" smtClean="0"/>
+              <a:rPr lang="en-US"/>
               <a:t>Third level</a:t>
             </a:r>
           </a:p>
           <a:p>
             <a:pPr lvl="3"/>
             <a:r>
-              <a:rPr lang="en-US" smtClean="0"/>
+              <a:rPr lang="en-US"/>
               <a:t>Fourth level</a:t>
             </a:r>
           </a:p>
           <a:p>
             <a:pPr lvl="4"/>
             <a:r>
-              <a:rPr lang="en-US" smtClean="0"/>
+              <a:rPr lang="en-US"/>
               <a:t>Fifth level</a:t>
             </a:r>
             <a:endParaRPr lang="en-US" dirty="0"/>
@@ -4295,7 +4294,7 @@
           <a:p>
             <a:pPr lvl="0"/>
             <a:r>
-              <a:rPr lang="en-US" smtClean="0"/>
+              <a:rPr lang="en-US"/>
               <a:t>Click to edit Master text styles</a:t>
             </a:r>
           </a:p>
@@ -4353,35 +4352,35 @@
           <a:p>
             <a:pPr lvl="0"/>
             <a:r>
-              <a:rPr lang="en-US" smtClean="0"/>
+              <a:rPr lang="en-US"/>
               <a:t>Click to edit Master text styles</a:t>
             </a:r>
           </a:p>
           <a:p>
             <a:pPr lvl="1"/>
             <a:r>
-              <a:rPr lang="en-US" smtClean="0"/>
+              <a:rPr lang="en-US"/>
               <a:t>Second level</a:t>
             </a:r>
           </a:p>
           <a:p>
             <a:pPr lvl="2"/>
             <a:r>
-              <a:rPr lang="en-US" smtClean="0"/>
+              <a:rPr lang="en-US"/>
               <a:t>Third level</a:t>
             </a:r>
           </a:p>
           <a:p>
             <a:pPr lvl="3"/>
             <a:r>
-              <a:rPr lang="en-US" smtClean="0"/>
+              <a:rPr lang="en-US"/>
               <a:t>Fourth level</a:t>
             </a:r>
           </a:p>
           <a:p>
             <a:pPr lvl="4"/>
             <a:r>
-              <a:rPr lang="en-US" smtClean="0"/>
+              <a:rPr lang="en-US"/>
               <a:t>Fifth level</a:t>
             </a:r>
             <a:endParaRPr lang="en-US" dirty="0"/>
@@ -4405,7 +4404,7 @@
           <a:p>
             <a:fld id="{E8254811-5CEA-4A43-BF05-68A9FDA3A610}" type="datetimeFigureOut">
               <a:rPr lang="en-US" smtClean="0"/>
-              <a:t>4/26/18</a:t>
+              <a:t>4/26/2018</a:t>
             </a:fld>
             <a:endParaRPr lang="en-US"/>
           </a:p>
@@ -4494,7 +4493,7 @@
           <a:lstStyle/>
           <a:p>
             <a:r>
-              <a:rPr lang="en-US" smtClean="0"/>
+              <a:rPr lang="en-US"/>
               <a:t>Click to edit Master title style</a:t>
             </a:r>
             <a:endParaRPr lang="en-US" dirty="0"/>
@@ -4518,7 +4517,7 @@
           <a:p>
             <a:fld id="{E8254811-5CEA-4A43-BF05-68A9FDA3A610}" type="datetimeFigureOut">
               <a:rPr lang="en-US" smtClean="0"/>
-              <a:t>4/26/18</a:t>
+              <a:t>4/26/2018</a:t>
             </a:fld>
             <a:endParaRPr lang="en-US"/>
           </a:p>
@@ -4608,7 +4607,7 @@
           <a:p>
             <a:fld id="{E8254811-5CEA-4A43-BF05-68A9FDA3A610}" type="datetimeFigureOut">
               <a:rPr lang="en-US" smtClean="0"/>
-              <a:t>4/26/18</a:t>
+              <a:t>4/26/2018</a:t>
             </a:fld>
             <a:endParaRPr lang="en-US"/>
           </a:p>
@@ -4708,7 +4707,7 @@
           </a:lstStyle>
           <a:p>
             <a:r>
-              <a:rPr lang="en-US" smtClean="0"/>
+              <a:rPr lang="en-US"/>
               <a:t>Click to edit Master title style</a:t>
             </a:r>
             <a:endParaRPr lang="en-US" dirty="0"/>
@@ -4767,35 +4766,35 @@
           <a:p>
             <a:pPr lvl="0"/>
             <a:r>
-              <a:rPr lang="en-US" smtClean="0"/>
+              <a:rPr lang="en-US"/>
               <a:t>Click to edit Master text styles</a:t>
             </a:r>
           </a:p>
           <a:p>
             <a:pPr lvl="1"/>
             <a:r>
-              <a:rPr lang="en-US" smtClean="0"/>
+              <a:rPr lang="en-US"/>
               <a:t>Second level</a:t>
             </a:r>
           </a:p>
           <a:p>
             <a:pPr lvl="2"/>
             <a:r>
-              <a:rPr lang="en-US" smtClean="0"/>
+              <a:rPr lang="en-US"/>
               <a:t>Third level</a:t>
             </a:r>
           </a:p>
           <a:p>
             <a:pPr lvl="3"/>
             <a:r>
-              <a:rPr lang="en-US" smtClean="0"/>
+              <a:rPr lang="en-US"/>
               <a:t>Fourth level</a:t>
             </a:r>
           </a:p>
           <a:p>
             <a:pPr lvl="4"/>
             <a:r>
-              <a:rPr lang="en-US" smtClean="0"/>
+              <a:rPr lang="en-US"/>
               <a:t>Fifth level</a:t>
             </a:r>
             <a:endParaRPr lang="en-US" dirty="0"/>
@@ -4863,7 +4862,7 @@
           <a:p>
             <a:pPr lvl="0"/>
             <a:r>
-              <a:rPr lang="en-US" smtClean="0"/>
+              <a:rPr lang="en-US"/>
               <a:t>Click to edit Master text styles</a:t>
             </a:r>
           </a:p>
@@ -4886,7 +4885,7 @@
           <a:p>
             <a:fld id="{E8254811-5CEA-4A43-BF05-68A9FDA3A610}" type="datetimeFigureOut">
               <a:rPr lang="en-US" smtClean="0"/>
-              <a:t>4/26/18</a:t>
+              <a:t>4/26/2018</a:t>
             </a:fld>
             <a:endParaRPr lang="en-US"/>
           </a:p>
@@ -4986,7 +4985,7 @@
           </a:lstStyle>
           <a:p>
             <a:r>
-              <a:rPr lang="en-US" smtClean="0"/>
+              <a:rPr lang="en-US"/>
               <a:t>Click to edit Master title style</a:t>
             </a:r>
             <a:endParaRPr lang="en-US" dirty="0"/>
@@ -5081,7 +5080,7 @@
           </a:lstStyle>
           <a:p>
             <a:r>
-              <a:rPr lang="en-US" smtClean="0"/>
+              <a:rPr lang="en-US"/>
               <a:t>Drag picture to placeholder or click icon to add</a:t>
             </a:r>
             <a:endParaRPr lang="en-US" dirty="0"/>
@@ -5149,7 +5148,7 @@
           <a:p>
             <a:pPr lvl="0"/>
             <a:r>
-              <a:rPr lang="en-US" smtClean="0"/>
+              <a:rPr lang="en-US"/>
               <a:t>Click to edit Master text styles</a:t>
             </a:r>
           </a:p>
@@ -5172,7 +5171,7 @@
           <a:p>
             <a:fld id="{E8254811-5CEA-4A43-BF05-68A9FDA3A610}" type="datetimeFigureOut">
               <a:rPr lang="en-US" smtClean="0"/>
-              <a:t>4/26/18</a:t>
+              <a:t>4/26/2018</a:t>
             </a:fld>
             <a:endParaRPr lang="en-US"/>
           </a:p>
@@ -5587,7 +5586,7 @@
           <a:lstStyle/>
           <a:p>
             <a:r>
-              <a:rPr lang="en-US" smtClean="0"/>
+              <a:rPr lang="en-US"/>
               <a:t>Click to edit Master title style</a:t>
             </a:r>
             <a:endParaRPr lang="en-US" dirty="0"/>
@@ -5621,35 +5620,35 @@
           <a:p>
             <a:pPr lvl="0"/>
             <a:r>
-              <a:rPr lang="en-US" smtClean="0"/>
+              <a:rPr lang="en-US"/>
               <a:t>Click to edit Master text styles</a:t>
             </a:r>
           </a:p>
           <a:p>
             <a:pPr lvl="1"/>
             <a:r>
-              <a:rPr lang="en-US" smtClean="0"/>
+              <a:rPr lang="en-US"/>
               <a:t>Second level</a:t>
             </a:r>
           </a:p>
           <a:p>
             <a:pPr lvl="2"/>
             <a:r>
-              <a:rPr lang="en-US" smtClean="0"/>
+              <a:rPr lang="en-US"/>
               <a:t>Third level</a:t>
             </a:r>
           </a:p>
           <a:p>
             <a:pPr lvl="3"/>
             <a:r>
-              <a:rPr lang="en-US" smtClean="0"/>
+              <a:rPr lang="en-US"/>
               <a:t>Fourth level</a:t>
             </a:r>
           </a:p>
           <a:p>
             <a:pPr lvl="4"/>
             <a:r>
-              <a:rPr lang="en-US" smtClean="0"/>
+              <a:rPr lang="en-US"/>
               <a:t>Fifth level</a:t>
             </a:r>
             <a:endParaRPr lang="en-US" dirty="0"/>
@@ -5691,7 +5690,7 @@
           <a:p>
             <a:fld id="{E8254811-5CEA-4A43-BF05-68A9FDA3A610}" type="datetimeFigureOut">
               <a:rPr lang="en-US" smtClean="0"/>
-              <a:t>4/26/18</a:t>
+              <a:t>4/26/2018</a:t>
             </a:fld>
             <a:endParaRPr lang="en-US"/>
           </a:p>
@@ -6249,7 +6248,7 @@
               <a:t>Finding “Seed” Users with Maximum Influence in Their Social Circles</a:t>
             </a:r>
             <a:r>
-              <a:rPr lang="en-US" dirty="0" smtClean="0">
+              <a:rPr lang="en-US" dirty="0">
                 <a:effectLst/>
               </a:rPr>
               <a:t> </a:t>
@@ -6281,16 +6280,15 @@
           <a:lstStyle/>
           <a:p>
             <a:r>
-              <a:rPr lang="en-US" sz="2400" dirty="0" smtClean="0"/>
+              <a:rPr lang="en-US" sz="2400" dirty="0"/>
               <a:t>By </a:t>
             </a:r>
           </a:p>
           <a:p>
             <a:r>
-              <a:rPr lang="en-US" sz="2400" dirty="0" smtClean="0"/>
+              <a:rPr lang="en-US" sz="2400" dirty="0"/>
               <a:t>Mark Weaver &amp; Maxwell Yi</a:t>
             </a:r>
-            <a:endParaRPr lang="en-US" sz="2400" dirty="0"/>
           </a:p>
         </p:txBody>
       </p:sp>
@@ -6342,10 +6340,9 @@
           <a:lstStyle/>
           <a:p>
             <a:r>
-              <a:rPr lang="en-US" dirty="0" smtClean="0"/>
+              <a:rPr lang="en-US" dirty="0"/>
               <a:t>Conclusion</a:t>
             </a:r>
-            <a:endParaRPr lang="en-US" dirty="0"/>
           </a:p>
         </p:txBody>
       </p:sp>
@@ -6372,26 +6369,9 @@
           <a:lstStyle/>
           <a:p>
             <a:r>
-              <a:rPr lang="en-US" dirty="0" smtClean="0"/>
-              <a:t>We can tell that the more popular a user is (by the node degree) the more influence they hold. Although, To more accurately predict a users influence we also need to calculate the centrality of the node</a:t>
-            </a:r>
-            <a:r>
               <a:rPr lang="en-US" dirty="0"/>
-              <a:t>, because </a:t>
-            </a:r>
-            <a:r>
-              <a:rPr lang="en-US" dirty="0" smtClean="0"/>
-              <a:t>the more </a:t>
-            </a:r>
-            <a:r>
-              <a:rPr lang="en-US" dirty="0"/>
-              <a:t>central a node is, the closer it is to all other </a:t>
-            </a:r>
-            <a:r>
-              <a:rPr lang="en-US" dirty="0" smtClean="0"/>
-              <a:t>nodes. Therefore the nodes (users) with the highest degree and highest centrality are the most influential nodes (users) in dataset because information will propagate fastest through their ego network, thus making them the perfect “seed” user.</a:t>
-            </a:r>
-            <a:endParaRPr lang="en-US" dirty="0"/>
+              <a:t>We can tell that the more popular a user is (by the node degree) the more influence they hold. Although, To more accurately predict a users influence we also need to calculate the centrality of the node, because the more central a node is, the closer it is to all other nodes. Therefore the nodes (users) with the highest degree and highest centrality are the most influential nodes (users) in dataset because information will propagate fastest through their ego network, thus making them the perfect “seed” user.</a:t>
+            </a:r>
           </a:p>
           <a:p>
             <a:endParaRPr lang="en-US" dirty="0"/>
@@ -6446,10 +6426,9 @@
           <a:lstStyle/>
           <a:p>
             <a:r>
-              <a:rPr lang="en-US" dirty="0" smtClean="0"/>
+              <a:rPr lang="en-US" dirty="0"/>
               <a:t>Future Work</a:t>
             </a:r>
-            <a:endParaRPr lang="en-US" dirty="0"/>
           </a:p>
         </p:txBody>
       </p:sp>
@@ -6470,13 +6449,12 @@
           </a:xfrm>
         </p:spPr>
         <p:txBody>
-          <a:bodyPr/>
-          <a:lstStyle/>
-          <a:p>
-            <a:pPr marL="0" marR="0" lvl="0" indent="0" defTabSz="914400" eaLnBrk="1" fontAlgn="auto" latinLnBrk="0" hangingPunct="1">
-              <a:lnSpc>
-                <a:spcPct val="100000"/>
-              </a:lnSpc>
+          <a:bodyPr>
+            <a:normAutofit fontScale="92500" lnSpcReduction="10000"/>
+          </a:bodyPr>
+          <a:lstStyle/>
+          <a:p>
+            <a:pPr defTabSz="914400">
               <a:spcBef>
                 <a:spcPts val="0"/>
               </a:spcBef>
@@ -6485,12 +6463,29 @@
               </a:spcAft>
               <a:buClrTx/>
               <a:buSzTx/>
-              <a:buFontTx/>
-              <a:buNone/>
-              <a:tabLst/>
               <a:defRPr/>
             </a:pPr>
-            <a:endParaRPr lang="en-US" dirty="0"/>
+            <a:r>
+              <a:rPr lang="en-US" dirty="0"/>
+              <a:t>Continuing this research will allow us to take the most influential users and their features to define social circles related to certain interests</a:t>
+            </a:r>
+          </a:p>
+          <a:p>
+            <a:pPr defTabSz="914400">
+              <a:spcBef>
+                <a:spcPts val="0"/>
+              </a:spcBef>
+              <a:spcAft>
+                <a:spcPts val="0"/>
+              </a:spcAft>
+              <a:buClrTx/>
+              <a:buSzTx/>
+              <a:defRPr/>
+            </a:pPr>
+            <a:r>
+              <a:rPr lang="en-US" dirty="0"/>
+              <a:t>Further developing algorithms will allow markets to exploit influential users to increase a product’s marketability autonomously </a:t>
+            </a:r>
           </a:p>
         </p:txBody>
       </p:sp>
@@ -6498,59 +6493,6 @@
     <p:extLst>
       <p:ext uri="{BB962C8B-B14F-4D97-AF65-F5344CB8AC3E}">
         <p14:creationId xmlns:p14="http://schemas.microsoft.com/office/powerpoint/2010/main" val="1571283379"/>
-      </p:ext>
-    </p:extLst>
-  </p:cSld>
-  <p:clrMapOvr>
-    <a:masterClrMapping/>
-  </p:clrMapOvr>
-</p:sld>
-</file>
-
-<file path=ppt/slides/slide12.xml><?xml version="1.0" encoding="utf-8"?>
-<p:sld xmlns:a="http://schemas.openxmlformats.org/drawingml/2006/main" xmlns:r="http://schemas.openxmlformats.org/officeDocument/2006/relationships" xmlns:p="http://schemas.openxmlformats.org/presentationml/2006/main">
-  <p:cSld>
-    <p:spTree>
-      <p:nvGrpSpPr>
-        <p:cNvPr id="1" name=""/>
-        <p:cNvGrpSpPr/>
-        <p:nvPr/>
-      </p:nvGrpSpPr>
-      <p:grpSpPr>
-        <a:xfrm>
-          <a:off x="0" y="0"/>
-          <a:ext cx="0" cy="0"/>
-          <a:chOff x="0" y="0"/>
-          <a:chExt cx="0" cy="0"/>
-        </a:xfrm>
-      </p:grpSpPr>
-      <p:sp>
-        <p:nvSpPr>
-          <p:cNvPr id="2" name="Title 1"/>
-          <p:cNvSpPr>
-            <a:spLocks noGrp="1"/>
-          </p:cNvSpPr>
-          <p:nvPr>
-            <p:ph type="title"/>
-          </p:nvPr>
-        </p:nvSpPr>
-        <p:spPr/>
-        <p:txBody>
-          <a:bodyPr/>
-          <a:lstStyle/>
-          <a:p>
-            <a:r>
-              <a:rPr lang="en-US" dirty="0" smtClean="0"/>
-              <a:t>Questions?</a:t>
-            </a:r>
-            <a:endParaRPr lang="en-US" dirty="0"/>
-          </a:p>
-        </p:txBody>
-      </p:sp>
-    </p:spTree>
-    <p:extLst>
-      <p:ext uri="{BB962C8B-B14F-4D97-AF65-F5344CB8AC3E}">
-        <p14:creationId xmlns:p14="http://schemas.microsoft.com/office/powerpoint/2010/main" val="1826329777"/>
       </p:ext>
     </p:extLst>
   </p:cSld>
@@ -6593,10 +6535,9 @@
           <a:lstStyle/>
           <a:p>
             <a:r>
-              <a:rPr lang="en-US" dirty="0" smtClean="0"/>
+              <a:rPr lang="en-US" dirty="0"/>
               <a:t>Background</a:t>
             </a:r>
-            <a:endParaRPr lang="en-US" dirty="0"/>
           </a:p>
         </p:txBody>
       </p:sp>
@@ -6618,37 +6559,53 @@
         </p:spPr>
         <p:txBody>
           <a:bodyPr>
-            <a:normAutofit fontScale="92500" lnSpcReduction="20000"/>
+            <a:normAutofit fontScale="85000" lnSpcReduction="20000"/>
           </a:bodyPr>
           <a:lstStyle/>
           <a:p>
             <a:r>
               <a:rPr lang="en-US" dirty="0"/>
-              <a:t>Social media, since its creation, has allowed us to remain connected with the people we interact with the most. There exists algorithms that even aid in filtering what we want or do not want to see on our social feeds; however, these </a:t>
-            </a:r>
-            <a:r>
-              <a:rPr lang="en-US" i="1" dirty="0"/>
-              <a:t>social circles</a:t>
-            </a:r>
+              <a:t>Social Networking websites have made the organization of an individual’s massive social network simpler to identify</a:t>
+            </a:r>
+          </a:p>
+          <a:p>
             <a:r>
               <a:rPr lang="en-US" dirty="0"/>
-              <a:t> become increasingly complex, and for marketers and businesses, it becomes time consuming and costly. Therefore, we </a:t>
-            </a:r>
-            <a:r>
-              <a:rPr lang="en-US" dirty="0" smtClean="0"/>
-              <a:t>need </a:t>
-            </a:r>
+              <a:t>Personalization of an individual’s network has led to the personalization of one’s own news feed and search queries</a:t>
+            </a:r>
+          </a:p>
+          <a:p>
+            <a:pPr lvl="1"/>
             <a:r>
               <a:rPr lang="en-US" dirty="0"/>
-              <a:t>an algorithm specifically designed to locate these social circles by node clustering in order to find the most effective </a:t>
-            </a:r>
-            <a:r>
-              <a:rPr lang="en-US" i="1" dirty="0"/>
-              <a:t>seed</a:t>
-            </a:r>
+              <a:t>Specified information to the user</a:t>
+            </a:r>
+          </a:p>
+          <a:p>
+            <a:pPr lvl="2"/>
             <a:r>
               <a:rPr lang="en-US" dirty="0"/>
-              <a:t> users, propagating information targeted to such users and allowing us to maximize user-awareness to a product.</a:t>
+              <a:t>Political Articles</a:t>
+            </a:r>
+          </a:p>
+          <a:p>
+            <a:pPr lvl="2"/>
+            <a:r>
+              <a:rPr lang="en-US" dirty="0"/>
+              <a:t>Regional Posts / Trends</a:t>
+            </a:r>
+          </a:p>
+          <a:p>
+            <a:pPr lvl="2"/>
+            <a:r>
+              <a:rPr lang="en-US" dirty="0"/>
+              <a:t>Buzzfeed personality tests</a:t>
+            </a:r>
+          </a:p>
+          <a:p>
+            <a:r>
+              <a:rPr lang="en-US" dirty="0"/>
+              <a:t>Algorithmic measurements of an individual’s social network using Node-Clustering and Ego-Networks</a:t>
             </a:r>
           </a:p>
           <a:p>
@@ -6702,10 +6659,9 @@
           <a:lstStyle/>
           <a:p>
             <a:r>
-              <a:rPr lang="en-US" dirty="0" smtClean="0"/>
+              <a:rPr lang="en-US" dirty="0"/>
               <a:t>Introduction</a:t>
             </a:r>
-            <a:endParaRPr lang="en-US" dirty="0"/>
           </a:p>
         </p:txBody>
       </p:sp>
@@ -6727,67 +6683,46 @@
         </p:spPr>
         <p:txBody>
           <a:bodyPr>
-            <a:normAutofit fontScale="70000" lnSpcReduction="20000"/>
+            <a:normAutofit fontScale="85000" lnSpcReduction="10000"/>
           </a:bodyPr>
           <a:lstStyle/>
           <a:p>
             <a:r>
               <a:rPr lang="en-US" dirty="0"/>
-              <a:t>The internet, as we know it today, contains more information than we can fathom. Social networks such as </a:t>
-            </a:r>
-            <a:r>
-              <a:rPr lang="en-US" dirty="0" smtClean="0"/>
-              <a:t>Facebook and Twitter </a:t>
-            </a:r>
+              <a:t>Social interactions organized manually by us; however, there now exists algorithms that sort social circles and information streams based on our manual organization.</a:t>
+            </a:r>
+          </a:p>
+          <a:p>
             <a:r>
               <a:rPr lang="en-US" dirty="0"/>
-              <a:t>allow us to remain connected with people we care about and even people we idolize. </a:t>
-            </a:r>
-            <a:r>
-              <a:rPr lang="en-US" dirty="0" smtClean="0"/>
-              <a:t>“Everyday </a:t>
-            </a:r>
+              <a:t>How can we make use of such algorithms to target products and advertisements to the most influential users in a circle?</a:t>
+            </a:r>
+          </a:p>
+          <a:p>
             <a:r>
               <a:rPr lang="en-US" dirty="0"/>
-              <a:t>an average person is exposed to endless streams of information by close friends, relatives, celebrities, and more, so much that we can consider this an ‘information overload’ [</a:t>
-            </a:r>
-            <a:r>
-              <a:rPr lang="en-US" dirty="0" err="1"/>
-              <a:t>McAuley</a:t>
-            </a:r>
+              <a:t>Goals</a:t>
+            </a:r>
+          </a:p>
+          <a:p>
+            <a:pPr lvl="1"/>
             <a:r>
               <a:rPr lang="en-US" dirty="0"/>
-              <a:t> and </a:t>
-            </a:r>
-            <a:r>
-              <a:rPr lang="en-US" dirty="0" err="1"/>
-              <a:t>Leskovec</a:t>
-            </a:r>
+              <a:t>Find the top 3 influential ego networks and its top influential alters</a:t>
+            </a:r>
+          </a:p>
+          <a:p>
+            <a:pPr lvl="1"/>
             <a:r>
               <a:rPr lang="en-US" dirty="0"/>
-              <a:t> et al. 2014</a:t>
-            </a:r>
-            <a:r>
-              <a:rPr lang="en-US" dirty="0" smtClean="0"/>
-              <a:t>].”</a:t>
-            </a:r>
-          </a:p>
-          <a:p>
-            <a:r>
-              <a:rPr lang="en-US" dirty="0" smtClean="0"/>
-              <a:t>Typically</a:t>
-            </a:r>
+              <a:t>Compare edges and distances to find the most influential ego/node clusters</a:t>
+            </a:r>
+          </a:p>
+          <a:p>
+            <a:pPr lvl="1"/>
             <a:r>
               <a:rPr lang="en-US" dirty="0"/>
-              <a:t>, we tend to organize our social interactions manually, but with exponentially advancing technology, social media is able to sort social circles and information streams based on what we click, what we like, what we comment on, what we watch, etc. Personalized search engines takes advantage of such sorting methods, reordering search results based off of our previous searches and clicks. So we ask, how might we use such algorithms to identify and target </a:t>
-            </a:r>
-            <a:r>
-              <a:rPr lang="en-US" dirty="0" smtClean="0"/>
-              <a:t>specific users for </a:t>
-            </a:r>
-            <a:r>
-              <a:rPr lang="en-US" dirty="0"/>
-              <a:t>products and business demographics. </a:t>
+              <a:t>Target specific Egos and their most influential alters to advertise products</a:t>
             </a:r>
           </a:p>
         </p:txBody>
@@ -6838,10 +6773,9 @@
           <a:lstStyle/>
           <a:p>
             <a:r>
-              <a:rPr lang="en-US" dirty="0" smtClean="0"/>
+              <a:rPr lang="en-US" dirty="0"/>
               <a:t>Literature Review</a:t>
             </a:r>
-            <a:endParaRPr lang="en-US" dirty="0"/>
           </a:p>
         </p:txBody>
       </p:sp>
@@ -6909,21 +6843,12 @@
             </a:r>
             <a:r>
               <a:rPr lang="en-US" sz="4900" dirty="0"/>
-              <a:t>, a network of connections between a user and their </a:t>
-            </a:r>
-            <a:r>
-              <a:rPr lang="en-US" sz="4900" dirty="0" smtClean="0"/>
-              <a:t>friends/interactions</a:t>
-            </a:r>
-            <a:r>
-              <a:rPr lang="en-US" sz="4900" dirty="0" smtClean="0"/>
-              <a:t>.</a:t>
-            </a:r>
-            <a:endParaRPr lang="en-US" sz="4900" dirty="0" smtClean="0"/>
-          </a:p>
-          <a:p>
-            <a:r>
-              <a:rPr lang="en-US" sz="4900" dirty="0" smtClean="0"/>
+              <a:t>, a network of connections between a user and their friends/interactions.</a:t>
+            </a:r>
+          </a:p>
+          <a:p>
+            <a:r>
+              <a:rPr lang="en-US" sz="4900" dirty="0"/>
               <a:t>Sources</a:t>
             </a:r>
           </a:p>
@@ -6938,22 +6863,14 @@
             </a:r>
             <a:r>
               <a:rPr lang="en-US" sz="3400" i="1" dirty="0"/>
-              <a:t>, Francesco, and Manco, Giuseppe. Topic-aware social influence propagation models. Knowledge and information systems, 37(3), pages 555–584, 2013</a:t>
-            </a:r>
-            <a:r>
-              <a:rPr lang="en-US" sz="3400" i="1" dirty="0" smtClean="0"/>
-              <a:t>.</a:t>
+              <a:t>, Francesco, and Manco, Giuseppe. Topic-aware social influence propagation models. Knowledge and information systems, 37(3), pages 555–584, 2013.</a:t>
             </a:r>
             <a:endParaRPr lang="en-US" sz="3400" dirty="0"/>
           </a:p>
           <a:p>
             <a:r>
-              <a:rPr lang="en-US" sz="3400" i="1" dirty="0" smtClean="0"/>
-              <a:t>David </a:t>
-            </a:r>
-            <a:r>
               <a:rPr lang="en-US" sz="3400" i="1" dirty="0"/>
-              <a:t>Kempe, Jon Kleinberg, and Eva </a:t>
+              <a:t>David Kempe, Jon Kleinberg, and Eva </a:t>
             </a:r>
             <a:r>
               <a:rPr lang="en-US" sz="3400" i="1" dirty="0" err="1"/>
@@ -6961,11 +6878,7 @@
             </a:r>
             <a:r>
               <a:rPr lang="en-US" sz="3400" i="1" dirty="0"/>
-              <a:t>. Maximizing the spread of influence through a social ´ network. In KDD, pages 137–146. ACM, 2003</a:t>
-            </a:r>
-            <a:r>
-              <a:rPr lang="en-US" sz="3400" i="1" dirty="0" smtClean="0"/>
-              <a:t>.</a:t>
+              <a:t>. Maximizing the spread of influence through a social ´ network. In KDD, pages 137–146. ACM, 2003.</a:t>
             </a:r>
             <a:endParaRPr lang="en-US" sz="3400" dirty="0"/>
           </a:p>
@@ -6996,11 +6909,7 @@
             </a:r>
             <a:r>
               <a:rPr lang="en-US" sz="3400" i="1" dirty="0"/>
-              <a:t> VS. A data-based approach to social influence maximization. Proceedings of the VLDB Endowment, 5(1), pages 73–84, 2011a</a:t>
-            </a:r>
-            <a:r>
-              <a:rPr lang="en-US" sz="3400" i="1" dirty="0" smtClean="0"/>
-              <a:t>.</a:t>
+              <a:t> VS. A data-based approach to social influence maximization. Proceedings of the VLDB Endowment, 5(1), pages 73–84, 2011a.</a:t>
             </a:r>
             <a:endParaRPr lang="en-US" sz="3400" dirty="0"/>
           </a:p>
@@ -7035,11 +6944,7 @@
             </a:r>
             <a:r>
               <a:rPr lang="en-US" sz="3400" i="1" dirty="0"/>
-              <a:t>, and Nan Du. Shaping Social Activity by Incentivizing Users. In Advances in Neural Information Processing Systems 27, pages 2474-2482, Curran Associates, Inc., 2014</a:t>
-            </a:r>
-            <a:r>
-              <a:rPr lang="en-US" sz="3400" i="1" dirty="0" smtClean="0"/>
-              <a:t>.</a:t>
+              <a:t>, and Nan Du. Shaping Social Activity by Incentivizing Users. In Advances in Neural Information Processing Systems 27, pages 2474-2482, Curran Associates, Inc., 2014.</a:t>
             </a:r>
             <a:endParaRPr lang="en-US" sz="3400" dirty="0"/>
           </a:p>
@@ -7074,11 +6979,7 @@
             </a:r>
             <a:r>
               <a:rPr lang="en-US" sz="3400" i="1" dirty="0"/>
-              <a:t>, L.V.S. &amp; Schmidt, M.. Model-Independent Online Learning for Influence Maximization. Proceedings of the 34th International Conference on Machine Learning, in PMLR 70, pages 3530-3539, 2017</a:t>
-            </a:r>
-            <a:r>
-              <a:rPr lang="en-US" sz="3400" i="1" dirty="0" smtClean="0"/>
-              <a:t>.</a:t>
+              <a:t>, L.V.S. &amp; Schmidt, M.. Model-Independent Online Learning for Influence Maximization. Proceedings of the 34th International Conference on Machine Learning, in PMLR 70, pages 3530-3539, 2017.</a:t>
             </a:r>
             <a:endParaRPr lang="en-US" sz="3400" dirty="0"/>
           </a:p>
@@ -7156,10 +7057,9 @@
           <a:lstStyle/>
           <a:p>
             <a:r>
-              <a:rPr lang="en-US" dirty="0" smtClean="0"/>
+              <a:rPr lang="en-US" dirty="0"/>
               <a:t>Methods</a:t>
             </a:r>
-            <a:endParaRPr lang="en-US" dirty="0"/>
           </a:p>
         </p:txBody>
       </p:sp>
@@ -7186,59 +7086,14 @@
           <a:lstStyle/>
           <a:p>
             <a:r>
-              <a:rPr lang="en-US" dirty="0" smtClean="0"/>
-              <a:t>In order to use node clustering to find “seed” users with maximum influence, we looked </a:t>
-            </a:r>
-            <a:r>
               <a:rPr lang="en-US" dirty="0"/>
-              <a:t>at degrees as a metric to evaluate nodes, </a:t>
-            </a:r>
-            <a:r>
-              <a:rPr lang="en-US" dirty="0" smtClean="0"/>
-              <a:t>because the </a:t>
-            </a:r>
+              <a:t>In order to use node clustering to find “seed” users with maximum influence, we looked at degrees as a metric to evaluate nodes, because the more friends a node has, the better connected it is. </a:t>
+            </a:r>
+          </a:p>
+          <a:p>
             <a:r>
               <a:rPr lang="en-US" dirty="0"/>
-              <a:t>more friends a node has, the better connected it is. </a:t>
-            </a:r>
-            <a:endParaRPr lang="en-US" dirty="0" smtClean="0"/>
-          </a:p>
-          <a:p>
-            <a:r>
-              <a:rPr lang="en-US" dirty="0" smtClean="0"/>
-              <a:t>In order to get a more accurate idea of which node in each ego network is the most influential, we decided to use another </a:t>
-            </a:r>
-            <a:r>
-              <a:rPr lang="en-US" dirty="0"/>
-              <a:t>common metric </a:t>
-            </a:r>
-            <a:r>
-              <a:rPr lang="en-US" dirty="0" smtClean="0"/>
-              <a:t>known as</a:t>
-            </a:r>
-            <a:r>
-              <a:rPr lang="en-US" dirty="0"/>
-              <a:t> </a:t>
-            </a:r>
-            <a:r>
-              <a:rPr lang="en-US" dirty="0" smtClean="0"/>
-              <a:t>shortest path. </a:t>
-            </a:r>
-            <a:r>
-              <a:rPr lang="en-US" dirty="0"/>
-              <a:t>While degrees measure direct connections only, shortest paths consider how many hops at </a:t>
-            </a:r>
-            <a:r>
-              <a:rPr lang="en-US" dirty="0" smtClean="0"/>
-              <a:t>minimum </a:t>
-            </a:r>
-            <a:r>
-              <a:rPr lang="en-US" dirty="0"/>
-              <a:t>you need to make to traverse from one node to another</a:t>
-            </a:r>
-            <a:r>
-              <a:rPr lang="en-US" dirty="0" smtClean="0"/>
-              <a:t>.</a:t>
+              <a:t>In order to get a more accurate idea of which node in each ego network is the most influential, we decided to use another common metric known as shortest path. While degrees measure direct connections only, shortest paths consider how many hops at minimum you need to make to traverse from one node to another.</a:t>
             </a:r>
           </a:p>
           <a:p>
@@ -7294,10 +7149,9 @@
           <a:lstStyle/>
           <a:p>
             <a:r>
-              <a:rPr lang="en-US" dirty="0" smtClean="0"/>
+              <a:rPr lang="en-US" dirty="0"/>
               <a:t>Methods Cont.</a:t>
             </a:r>
-            <a:endParaRPr lang="en-US" dirty="0"/>
           </a:p>
         </p:txBody>
       </p:sp>
@@ -7324,56 +7178,16 @@
           <a:lstStyle/>
           <a:p>
             <a:r>
-              <a:rPr lang="en-US" sz="2400" dirty="0" smtClean="0"/>
-              <a:t>If we know the distance of the shortest path between the top node and any other node, then we can use the </a:t>
-            </a:r>
-            <a:r>
               <a:rPr lang="en-US" sz="2400" dirty="0"/>
-              <a:t>d</a:t>
-            </a:r>
-            <a:r>
-              <a:rPr lang="en-US" sz="2400" dirty="0" smtClean="0"/>
-              <a:t>istances </a:t>
-            </a:r>
-            <a:r>
-              <a:rPr lang="en-US" sz="2400" dirty="0"/>
-              <a:t>measured by shortest paths </a:t>
-            </a:r>
-            <a:r>
-              <a:rPr lang="en-US" sz="2400" dirty="0" smtClean="0"/>
-              <a:t>to </a:t>
-            </a:r>
-            <a:r>
-              <a:rPr lang="en-US" sz="2400" dirty="0"/>
-              <a:t>compute closeness </a:t>
-            </a:r>
-            <a:r>
-              <a:rPr lang="en-US" sz="2400" dirty="0" smtClean="0"/>
-              <a:t>centrality. Which is calculated </a:t>
-            </a:r>
-            <a:r>
-              <a:rPr lang="en-US" sz="2400" dirty="0"/>
-              <a:t>as the sum of the length of the </a:t>
-            </a:r>
-            <a:r>
-              <a:rPr lang="en-US" sz="2400" dirty="0" smtClean="0"/>
-              <a:t>shortest paths</a:t>
-            </a:r>
-            <a:r>
-              <a:rPr lang="en-US" sz="2400" dirty="0"/>
-              <a:t> between the node and all other nodes in the graph. </a:t>
-            </a:r>
-            <a:r>
-              <a:rPr lang="en-US" sz="2400" dirty="0" smtClean="0"/>
-              <a:t>							</a:t>
-            </a:r>
-            <a:r>
-              <a:rPr lang="en-US" dirty="0" smtClean="0"/>
+              <a:t>If we know the distance of the shortest path between the top node and any other node, then we can use the distances measured by shortest paths to compute closeness centrality. Which is calculated as the sum of the length of the shortest paths between the node and all other nodes in the graph. 							</a:t>
+            </a:r>
+            <a:r>
+              <a:rPr lang="en-US" dirty="0"/>
               <a:t>	</a:t>
             </a:r>
           </a:p>
           <a:p>
-            <a:endParaRPr lang="en-US" dirty="0" smtClean="0"/>
+            <a:endParaRPr lang="en-US" dirty="0"/>
           </a:p>
         </p:txBody>
       </p:sp>
@@ -7416,8 +7230,8 @@
           </a:p>
         </p:txBody>
       </p:sp>
-      <mc:AlternateContent xmlns:mc="http://schemas.openxmlformats.org/markup-compatibility/2006">
-        <mc:Choice xmlns:a14="http://schemas.microsoft.com/office/drawing/2010/main" Requires="a14">
+      <mc:AlternateContent xmlns:mc="http://schemas.openxmlformats.org/markup-compatibility/2006" xmlns:a14="http://schemas.microsoft.com/office/drawing/2010/main">
+        <mc:Choice Requires="a14">
           <p:sp>
             <p:nvSpPr>
               <p:cNvPr id="5" name="TextBox 4"/>
@@ -7450,7 +7264,7 @@
                       <m:fPr>
                         <m:ctrlPr>
                           <a:rPr lang="mr-IN" sz="3600" i="1">
-                            <a:latin typeface="Cambria Math" charset="0"/>
+                            <a:latin typeface="Cambria Math" panose="02040503050406030204" pitchFamily="18" charset="0"/>
                           </a:rPr>
                         </m:ctrlPr>
                       </m:fPr>
@@ -7470,7 +7284,7 @@
                             <m:supHide m:val="on"/>
                             <m:ctrlPr>
                               <a:rPr lang="mr-IN" sz="3600" i="1">
-                                <a:latin typeface="Cambria Math" charset="0"/>
+                                <a:latin typeface="Cambria Math" panose="02040503050406030204" pitchFamily="18" charset="0"/>
                               </a:rPr>
                             </m:ctrlPr>
                           </m:naryPr>
@@ -7537,7 +7351,7 @@
             </p:txBody>
           </p:sp>
         </mc:Choice>
-        <mc:Fallback>
+        <mc:Fallback xmlns="">
           <p:sp>
             <p:nvSpPr>
               <p:cNvPr id="5" name="TextBox 4"/>
@@ -7622,10 +7436,9 @@
           <a:lstStyle/>
           <a:p>
             <a:r>
-              <a:rPr lang="en-US" dirty="0" smtClean="0"/>
+              <a:rPr lang="en-US" dirty="0"/>
               <a:t>Experimental Results</a:t>
             </a:r>
-            <a:endParaRPr lang="en-US" dirty="0"/>
           </a:p>
         </p:txBody>
       </p:sp>
@@ -7657,7 +7470,7 @@
             </a:r>
           </a:p>
           <a:p>
-            <a:endParaRPr lang="en-US" dirty="0" smtClean="0"/>
+            <a:endParaRPr lang="en-US" dirty="0"/>
           </a:p>
         </p:txBody>
       </p:sp>
@@ -7686,8 +7499,20 @@
                 <a:tableStyleId>{5C22544A-7EE6-4342-B048-85BDC9FD1C3A}</a:tableStyleId>
               </a:tblPr>
               <a:tblGrid>
-                <a:gridCol w="3121152"/>
-                <a:gridCol w="2974848"/>
+                <a:gridCol w="3121152">
+                  <a:extLst>
+                    <a:ext uri="{9D8B030D-6E8A-4147-A177-3AD203B41FA5}">
+                      <a16:colId xmlns:a16="http://schemas.microsoft.com/office/drawing/2014/main" val="20000"/>
+                    </a:ext>
+                  </a:extLst>
+                </a:gridCol>
+                <a:gridCol w="2974848">
+                  <a:extLst>
+                    <a:ext uri="{9D8B030D-6E8A-4147-A177-3AD203B41FA5}">
+                      <a16:colId xmlns:a16="http://schemas.microsoft.com/office/drawing/2014/main" val="20001"/>
+                    </a:ext>
+                  </a:extLst>
+                </a:gridCol>
               </a:tblGrid>
               <a:tr h="370840">
                 <a:tc>
@@ -7697,10 +7522,9 @@
                     <a:p>
                       <a:pPr algn="ctr"/>
                       <a:r>
-                        <a:rPr lang="en-US" dirty="0" smtClean="0"/>
+                        <a:rPr lang="en-US" dirty="0"/>
                         <a:t>Algorithm</a:t>
                       </a:r>
-                      <a:endParaRPr lang="en-US" dirty="0"/>
                     </a:p>
                   </a:txBody>
                   <a:tcPr/>
@@ -7712,14 +7536,18 @@
                     <a:p>
                       <a:pPr algn="ctr"/>
                       <a:r>
-                        <a:rPr lang="en-US" dirty="0" smtClean="0"/>
+                        <a:rPr lang="en-US" dirty="0"/>
                         <a:t>Result</a:t>
                       </a:r>
-                      <a:endParaRPr lang="en-US" dirty="0"/>
                     </a:p>
                   </a:txBody>
                   <a:tcPr/>
                 </a:tc>
+                <a:extLst>
+                  <a:ext uri="{0D108BD9-81ED-4DB2-BD59-A6C34878D82A}">
+                    <a16:rowId xmlns:a16="http://schemas.microsoft.com/office/drawing/2014/main" val="10000"/>
+                  </a:ext>
+                </a:extLst>
               </a:tr>
               <a:tr h="370840">
                 <a:tc>
@@ -7729,11 +7557,11 @@
                     <a:p>
                       <a:pPr algn="l"/>
                       <a:r>
-                        <a:rPr lang="en-US" dirty="0" smtClean="0"/>
+                        <a:rPr lang="en-US" dirty="0"/>
                         <a:t>Node</a:t>
                       </a:r>
                       <a:r>
-                        <a:rPr lang="en-US" baseline="0" dirty="0" smtClean="0"/>
+                        <a:rPr lang="en-US" baseline="0" dirty="0"/>
                         <a:t> Degree</a:t>
                       </a:r>
                       <a:endParaRPr lang="en-US" dirty="0"/>
@@ -7747,11 +7575,11 @@
                     <a:lstStyle/>
                     <a:p>
                       <a:r>
-                        <a:rPr lang="en-US" dirty="0" smtClean="0"/>
+                        <a:rPr lang="en-US" dirty="0"/>
                         <a:t>3 Top</a:t>
                       </a:r>
                       <a:r>
-                        <a:rPr lang="en-US" baseline="0" dirty="0" smtClean="0"/>
+                        <a:rPr lang="en-US" baseline="0" dirty="0"/>
                         <a:t> Nodes</a:t>
                       </a:r>
                       <a:endParaRPr lang="en-US" dirty="0"/>
@@ -7759,6 +7587,11 @@
                   </a:txBody>
                   <a:tcPr/>
                 </a:tc>
+                <a:extLst>
+                  <a:ext uri="{0D108BD9-81ED-4DB2-BD59-A6C34878D82A}">
+                    <a16:rowId xmlns:a16="http://schemas.microsoft.com/office/drawing/2014/main" val="10001"/>
+                  </a:ext>
+                </a:extLst>
               </a:tr>
               <a:tr h="370840">
                 <a:tc>
@@ -7784,7 +7617,7 @@
                         <a:defRPr/>
                       </a:pPr>
                       <a:r>
-                        <a:rPr lang="en-US" dirty="0" smtClean="0"/>
+                        <a:rPr lang="en-US" dirty="0"/>
                         <a:t>Shortest Path</a:t>
                       </a:r>
                     </a:p>
@@ -7797,14 +7630,18 @@
                     <a:lstStyle/>
                     <a:p>
                       <a:r>
-                        <a:rPr lang="en-US" dirty="0" smtClean="0"/>
+                        <a:rPr lang="en-US" dirty="0"/>
                         <a:t>Closeness centrality.</a:t>
                       </a:r>
-                      <a:endParaRPr lang="en-US" dirty="0"/>
                     </a:p>
                   </a:txBody>
                   <a:tcPr/>
                 </a:tc>
+                <a:extLst>
+                  <a:ext uri="{0D108BD9-81ED-4DB2-BD59-A6C34878D82A}">
+                    <a16:rowId xmlns:a16="http://schemas.microsoft.com/office/drawing/2014/main" val="10002"/>
+                  </a:ext>
+                </a:extLst>
               </a:tr>
               <a:tr h="370840">
                 <a:tc>
@@ -7830,7 +7667,7 @@
                         <a:defRPr/>
                       </a:pPr>
                       <a:r>
-                        <a:rPr lang="en-US" dirty="0" smtClean="0"/>
+                        <a:rPr lang="en-US" dirty="0"/>
                         <a:t>Closeness Centrality</a:t>
                       </a:r>
                     </a:p>
@@ -7843,11 +7680,11 @@
                     <a:lstStyle/>
                     <a:p>
                       <a:r>
-                        <a:rPr lang="en-US" dirty="0" smtClean="0"/>
+                        <a:rPr lang="en-US" dirty="0"/>
                         <a:t>Most</a:t>
                       </a:r>
                       <a:r>
-                        <a:rPr lang="en-US" baseline="0" dirty="0" smtClean="0"/>
+                        <a:rPr lang="en-US" baseline="0" dirty="0"/>
                         <a:t> influential Top Node</a:t>
                       </a:r>
                       <a:endParaRPr lang="en-US" dirty="0"/>
@@ -7855,6 +7692,11 @@
                   </a:txBody>
                   <a:tcPr/>
                 </a:tc>
+                <a:extLst>
+                  <a:ext uri="{0D108BD9-81ED-4DB2-BD59-A6C34878D82A}">
+                    <a16:rowId xmlns:a16="http://schemas.microsoft.com/office/drawing/2014/main" val="10003"/>
+                  </a:ext>
+                </a:extLst>
               </a:tr>
             </a:tbl>
           </a:graphicData>
@@ -7906,10 +7748,9 @@
           <a:lstStyle/>
           <a:p>
             <a:r>
-              <a:rPr lang="en-US" dirty="0" smtClean="0"/>
+              <a:rPr lang="en-US" dirty="0"/>
               <a:t>Results Cont.</a:t>
             </a:r>
-            <a:endParaRPr lang="en-US" dirty="0"/>
           </a:p>
         </p:txBody>
       </p:sp>
@@ -7936,7 +7777,7 @@
           <a:lstStyle/>
           <a:p>
             <a:r>
-              <a:rPr lang="en-US" sz="2400" dirty="0" smtClean="0"/>
+              <a:rPr lang="en-US" sz="2400" dirty="0"/>
               <a:t>When we use the node degree to find the top 3 nodes and then computer the shortest path from a top node to any other node the result looks as such.</a:t>
             </a:r>
           </a:p>
@@ -8044,7 +7885,7 @@
           <a:lstStyle/>
           <a:p>
             <a:r>
-              <a:rPr lang="en-US" sz="2400" dirty="0" smtClean="0"/>
+              <a:rPr lang="en-US" sz="2400" dirty="0"/>
               <a:t>When we use the distance of the shortest path to computer the closeness centrality of the ego network of a node, the result is as follows. </a:t>
             </a:r>
           </a:p>
